--- a/Presentations/Spectrum_ProposalPresentation.pptx
+++ b/Presentations/Spectrum_ProposalPresentation.pptx
@@ -6305,14 +6305,104 @@
             </a:pPr>
             <a:r>
               <a:rPr lang="en">
+                <a:solidFill>
+                  <a:schemeClr val="accent6"/>
+                </a:solidFill>
                 <a:latin typeface="Lora Medium"/>
                 <a:ea typeface="Lora Medium"/>
                 <a:cs typeface="Lora Medium"/>
                 <a:sym typeface="Lora Medium"/>
               </a:rPr>
-              <a:t>Spectrum</a:t>
+              <a:t>S</a:t>
+            </a:r>
+            <a:r>
+              <a:rPr lang="en">
+                <a:solidFill>
+                  <a:schemeClr val="accent5"/>
+                </a:solidFill>
+                <a:latin typeface="Lora Medium"/>
+                <a:ea typeface="Lora Medium"/>
+                <a:cs typeface="Lora Medium"/>
+                <a:sym typeface="Lora Medium"/>
+              </a:rPr>
+              <a:t>p</a:t>
+            </a:r>
+            <a:r>
+              <a:rPr lang="en">
+                <a:solidFill>
+                  <a:schemeClr val="accent4"/>
+                </a:solidFill>
+                <a:latin typeface="Lora Medium"/>
+                <a:ea typeface="Lora Medium"/>
+                <a:cs typeface="Lora Medium"/>
+                <a:sym typeface="Lora Medium"/>
+              </a:rPr>
+              <a:t>e</a:t>
+            </a:r>
+            <a:r>
+              <a:rPr lang="en">
+                <a:solidFill>
+                  <a:schemeClr val="accent3"/>
+                </a:solidFill>
+                <a:latin typeface="Lora Medium"/>
+                <a:ea typeface="Lora Medium"/>
+                <a:cs typeface="Lora Medium"/>
+                <a:sym typeface="Lora Medium"/>
+              </a:rPr>
+              <a:t>c</a:t>
+            </a:r>
+            <a:r>
+              <a:rPr lang="en">
+                <a:solidFill>
+                  <a:srgbClr val="1E6C6B"/>
+                </a:solidFill>
+                <a:latin typeface="Lora Medium"/>
+                <a:ea typeface="Lora Medium"/>
+                <a:cs typeface="Lora Medium"/>
+                <a:sym typeface="Lora Medium"/>
+              </a:rPr>
+              <a:t>t</a:t>
+            </a:r>
+            <a:r>
+              <a:rPr lang="en">
+                <a:solidFill>
+                  <a:srgbClr val="2E9897"/>
+                </a:solidFill>
+                <a:latin typeface="Lora Medium"/>
+                <a:ea typeface="Lora Medium"/>
+                <a:cs typeface="Lora Medium"/>
+                <a:sym typeface="Lora Medium"/>
+              </a:rPr>
+              <a:t>r</a:t>
+            </a:r>
+            <a:r>
+              <a:rPr lang="en">
+                <a:solidFill>
+                  <a:srgbClr val="51BFBE"/>
+                </a:solidFill>
+                <a:latin typeface="Lora Medium"/>
+                <a:ea typeface="Lora Medium"/>
+                <a:cs typeface="Lora Medium"/>
+                <a:sym typeface="Lora Medium"/>
+              </a:rPr>
+              <a:t>u</a:t>
+            </a:r>
+            <a:r>
+              <a:rPr lang="en">
+                <a:solidFill>
+                  <a:srgbClr val="D5DA76"/>
+                </a:solidFill>
+                <a:latin typeface="Lora Medium"/>
+                <a:ea typeface="Lora Medium"/>
+                <a:cs typeface="Lora Medium"/>
+                <a:sym typeface="Lora Medium"/>
+              </a:rPr>
+              <a:t>m</a:t>
             </a:r>
             <a:endParaRPr>
+              <a:solidFill>
+                <a:srgbClr val="D5DA76"/>
+              </a:solidFill>
               <a:latin typeface="Lora Medium"/>
               <a:ea typeface="Lora Medium"/>
               <a:cs typeface="Lora Medium"/>
@@ -6475,6 +6565,97 @@
                 </a:solidFill>
               </a:rPr>
               <a:t>200042131</a:t>
+            </a:r>
+            <a:endParaRPr>
+              <a:solidFill>
+                <a:schemeClr val="dk1"/>
+              </a:solidFill>
+            </a:endParaRPr>
+          </a:p>
+          <a:p>
+            <a:pPr indent="0" lvl="0" marL="0" rtl="0" algn="l">
+              <a:spcBef>
+                <a:spcPts val="0"/>
+              </a:spcBef>
+              <a:spcAft>
+                <a:spcPts val="0"/>
+              </a:spcAft>
+              <a:buNone/>
+            </a:pPr>
+            <a:r>
+              <a:t/>
+            </a:r>
+            <a:endParaRPr>
+              <a:solidFill>
+                <a:schemeClr val="dk1"/>
+              </a:solidFill>
+            </a:endParaRPr>
+          </a:p>
+          <a:p>
+            <a:pPr indent="0" lvl="0" marL="0" rtl="0" algn="l">
+              <a:spcBef>
+                <a:spcPts val="0"/>
+              </a:spcBef>
+              <a:spcAft>
+                <a:spcPts val="0"/>
+              </a:spcAft>
+              <a:buNone/>
+            </a:pPr>
+            <a:r>
+              <a:rPr lang="en">
+                <a:solidFill>
+                  <a:schemeClr val="dk1"/>
+                </a:solidFill>
+              </a:rPr>
+              <a:t>Supervised by:</a:t>
+            </a:r>
+            <a:endParaRPr>
+              <a:solidFill>
+                <a:schemeClr val="dk1"/>
+              </a:solidFill>
+            </a:endParaRPr>
+          </a:p>
+          <a:p>
+            <a:pPr indent="0" lvl="0" marL="0" rtl="0" algn="l">
+              <a:spcBef>
+                <a:spcPts val="0"/>
+              </a:spcBef>
+              <a:spcAft>
+                <a:spcPts val="0"/>
+              </a:spcAft>
+              <a:buNone/>
+            </a:pPr>
+            <a:r>
+              <a:rPr lang="en">
+                <a:solidFill>
+                  <a:schemeClr val="dk1"/>
+                </a:solidFill>
+              </a:rPr>
+              <a:t>Rafid Haque, </a:t>
+            </a:r>
+            <a:endParaRPr>
+              <a:solidFill>
+                <a:schemeClr val="dk1"/>
+              </a:solidFill>
+            </a:endParaRPr>
+          </a:p>
+          <a:p>
+            <a:pPr indent="0" lvl="0" marL="0" rtl="0" algn="l">
+              <a:spcBef>
+                <a:spcPts val="0"/>
+              </a:spcBef>
+              <a:spcAft>
+                <a:spcPts val="0"/>
+              </a:spcAft>
+              <a:buNone/>
+            </a:pPr>
+            <a:r>
+              <a:rPr lang="en">
+                <a:solidFill>
+                  <a:schemeClr val="dk1"/>
+                </a:solidFill>
+              </a:rPr>
+              <a:t>Lecturer, CSE Department, IUT</a:t>
             </a:r>
             <a:endParaRPr>
               <a:solidFill>
@@ -24161,6 +24342,1332 @@
   <p:clrMapOvr>
     <a:masterClrMapping/>
   </p:clrMapOvr>
+  <p:timing>
+    <p:tnLst>
+      <p:par>
+        <p:cTn dur="indefinite" nodeType="tmRoot" restart="never">
+          <p:childTnLst>
+            <p:seq concurrent="1" nextAc="seek">
+              <p:cTn dur="indefinite" id="2" nodeType="mainSeq">
+                <p:childTnLst>
+                  <p:par>
+                    <p:cTn fill="hold">
+                      <p:stCondLst>
+                        <p:cond delay="indefinite"/>
+                      </p:stCondLst>
+                      <p:childTnLst>
+                        <p:par>
+                          <p:cTn fill="hold">
+                            <p:stCondLst>
+                              <p:cond delay="0"/>
+                            </p:stCondLst>
+                            <p:childTnLst>
+                              <p:par>
+                                <p:cTn fill="hold" nodeType="clickEffect" presetClass="entr" presetID="10" presetSubtype="0">
+                                  <p:stCondLst>
+                                    <p:cond delay="0"/>
+                                  </p:stCondLst>
+                                  <p:childTnLst>
+                                    <p:set>
+                                      <p:cBhvr>
+                                        <p:cTn dur="1" fill="hold">
+                                          <p:stCondLst>
+                                            <p:cond delay="0"/>
+                                          </p:stCondLst>
+                                        </p:cTn>
+                                        <p:tgtEl>
+                                          <p:spTgt spid="212"/>
+                                        </p:tgtEl>
+                                        <p:attrNameLst>
+                                          <p:attrName>style.visibility</p:attrName>
+                                        </p:attrNameLst>
+                                      </p:cBhvr>
+                                      <p:to>
+                                        <p:strVal val="visible"/>
+                                      </p:to>
+                                    </p:set>
+                                    <p:animEffect filter="fade" transition="in">
+                                      <p:cBhvr>
+                                        <p:cTn dur="1000"/>
+                                        <p:tgtEl>
+                                          <p:spTgt spid="212"/>
+                                        </p:tgtEl>
+                                      </p:cBhvr>
+                                    </p:animEffect>
+                                  </p:childTnLst>
+                                </p:cTn>
+                              </p:par>
+                              <p:par>
+                                <p:cTn fill="hold" nodeType="withEffect" presetClass="entr" presetID="10" presetSubtype="0">
+                                  <p:stCondLst>
+                                    <p:cond delay="0"/>
+                                  </p:stCondLst>
+                                  <p:childTnLst>
+                                    <p:set>
+                                      <p:cBhvr>
+                                        <p:cTn dur="1" fill="hold">
+                                          <p:stCondLst>
+                                            <p:cond delay="0"/>
+                                          </p:stCondLst>
+                                        </p:cTn>
+                                        <p:tgtEl>
+                                          <p:spTgt spid="227"/>
+                                        </p:tgtEl>
+                                        <p:attrNameLst>
+                                          <p:attrName>style.visibility</p:attrName>
+                                        </p:attrNameLst>
+                                      </p:cBhvr>
+                                      <p:to>
+                                        <p:strVal val="visible"/>
+                                      </p:to>
+                                    </p:set>
+                                    <p:animEffect filter="fade" transition="in">
+                                      <p:cBhvr>
+                                        <p:cTn dur="1000"/>
+                                        <p:tgtEl>
+                                          <p:spTgt spid="227"/>
+                                        </p:tgtEl>
+                                      </p:cBhvr>
+                                    </p:animEffect>
+                                  </p:childTnLst>
+                                </p:cTn>
+                              </p:par>
+                              <p:par>
+                                <p:cTn fill="hold" nodeType="withEffect" presetClass="entr" presetID="10" presetSubtype="0">
+                                  <p:stCondLst>
+                                    <p:cond delay="0"/>
+                                  </p:stCondLst>
+                                  <p:childTnLst>
+                                    <p:set>
+                                      <p:cBhvr>
+                                        <p:cTn dur="1" fill="hold">
+                                          <p:stCondLst>
+                                            <p:cond delay="0"/>
+                                          </p:stCondLst>
+                                        </p:cTn>
+                                        <p:tgtEl>
+                                          <p:spTgt spid="228"/>
+                                        </p:tgtEl>
+                                        <p:attrNameLst>
+                                          <p:attrName>style.visibility</p:attrName>
+                                        </p:attrNameLst>
+                                      </p:cBhvr>
+                                      <p:to>
+                                        <p:strVal val="visible"/>
+                                      </p:to>
+                                    </p:set>
+                                    <p:animEffect filter="fade" transition="in">
+                                      <p:cBhvr>
+                                        <p:cTn dur="1000"/>
+                                        <p:tgtEl>
+                                          <p:spTgt spid="228"/>
+                                        </p:tgtEl>
+                                      </p:cBhvr>
+                                    </p:animEffect>
+                                  </p:childTnLst>
+                                </p:cTn>
+                              </p:par>
+                            </p:childTnLst>
+                          </p:cTn>
+                        </p:par>
+                      </p:childTnLst>
+                    </p:cTn>
+                  </p:par>
+                  <p:par>
+                    <p:cTn fill="hold">
+                      <p:stCondLst>
+                        <p:cond delay="indefinite"/>
+                      </p:stCondLst>
+                      <p:childTnLst>
+                        <p:par>
+                          <p:cTn fill="hold">
+                            <p:stCondLst>
+                              <p:cond delay="0"/>
+                            </p:stCondLst>
+                            <p:childTnLst>
+                              <p:par>
+                                <p:cTn fill="hold" nodeType="clickEffect" presetClass="entr" presetID="10" presetSubtype="0">
+                                  <p:stCondLst>
+                                    <p:cond delay="0"/>
+                                  </p:stCondLst>
+                                  <p:childTnLst>
+                                    <p:set>
+                                      <p:cBhvr>
+                                        <p:cTn dur="1" fill="hold">
+                                          <p:stCondLst>
+                                            <p:cond delay="0"/>
+                                          </p:stCondLst>
+                                        </p:cTn>
+                                        <p:tgtEl>
+                                          <p:spTgt spid="208"/>
+                                        </p:tgtEl>
+                                        <p:attrNameLst>
+                                          <p:attrName>style.visibility</p:attrName>
+                                        </p:attrNameLst>
+                                      </p:cBhvr>
+                                      <p:to>
+                                        <p:strVal val="visible"/>
+                                      </p:to>
+                                    </p:set>
+                                    <p:animEffect filter="fade" transition="in">
+                                      <p:cBhvr>
+                                        <p:cTn dur="1000"/>
+                                        <p:tgtEl>
+                                          <p:spTgt spid="208"/>
+                                        </p:tgtEl>
+                                      </p:cBhvr>
+                                    </p:animEffect>
+                                  </p:childTnLst>
+                                </p:cTn>
+                              </p:par>
+                              <p:par>
+                                <p:cTn fill="hold" nodeType="withEffect" presetClass="entr" presetID="10" presetSubtype="0">
+                                  <p:stCondLst>
+                                    <p:cond delay="0"/>
+                                  </p:stCondLst>
+                                  <p:childTnLst>
+                                    <p:set>
+                                      <p:cBhvr>
+                                        <p:cTn dur="1" fill="hold">
+                                          <p:stCondLst>
+                                            <p:cond delay="0"/>
+                                          </p:stCondLst>
+                                        </p:cTn>
+                                        <p:tgtEl>
+                                          <p:spTgt spid="209"/>
+                                        </p:tgtEl>
+                                        <p:attrNameLst>
+                                          <p:attrName>style.visibility</p:attrName>
+                                        </p:attrNameLst>
+                                      </p:cBhvr>
+                                      <p:to>
+                                        <p:strVal val="visible"/>
+                                      </p:to>
+                                    </p:set>
+                                    <p:animEffect filter="fade" transition="in">
+                                      <p:cBhvr>
+                                        <p:cTn dur="1000"/>
+                                        <p:tgtEl>
+                                          <p:spTgt spid="209"/>
+                                        </p:tgtEl>
+                                      </p:cBhvr>
+                                    </p:animEffect>
+                                  </p:childTnLst>
+                                </p:cTn>
+                              </p:par>
+                              <p:par>
+                                <p:cTn fill="hold" nodeType="withEffect" presetClass="entr" presetID="10" presetSubtype="0">
+                                  <p:stCondLst>
+                                    <p:cond delay="0"/>
+                                  </p:stCondLst>
+                                  <p:childTnLst>
+                                    <p:set>
+                                      <p:cBhvr>
+                                        <p:cTn dur="1" fill="hold">
+                                          <p:stCondLst>
+                                            <p:cond delay="0"/>
+                                          </p:stCondLst>
+                                        </p:cTn>
+                                        <p:tgtEl>
+                                          <p:spTgt spid="210"/>
+                                        </p:tgtEl>
+                                        <p:attrNameLst>
+                                          <p:attrName>style.visibility</p:attrName>
+                                        </p:attrNameLst>
+                                      </p:cBhvr>
+                                      <p:to>
+                                        <p:strVal val="visible"/>
+                                      </p:to>
+                                    </p:set>
+                                    <p:animEffect filter="fade" transition="in">
+                                      <p:cBhvr>
+                                        <p:cTn dur="1000"/>
+                                        <p:tgtEl>
+                                          <p:spTgt spid="210"/>
+                                        </p:tgtEl>
+                                      </p:cBhvr>
+                                    </p:animEffect>
+                                  </p:childTnLst>
+                                </p:cTn>
+                              </p:par>
+                              <p:par>
+                                <p:cTn fill="hold" nodeType="withEffect" presetClass="entr" presetID="10" presetSubtype="0">
+                                  <p:stCondLst>
+                                    <p:cond delay="0"/>
+                                  </p:stCondLst>
+                                  <p:childTnLst>
+                                    <p:set>
+                                      <p:cBhvr>
+                                        <p:cTn dur="1" fill="hold">
+                                          <p:stCondLst>
+                                            <p:cond delay="0"/>
+                                          </p:stCondLst>
+                                        </p:cTn>
+                                        <p:tgtEl>
+                                          <p:spTgt spid="224"/>
+                                        </p:tgtEl>
+                                        <p:attrNameLst>
+                                          <p:attrName>style.visibility</p:attrName>
+                                        </p:attrNameLst>
+                                      </p:cBhvr>
+                                      <p:to>
+                                        <p:strVal val="visible"/>
+                                      </p:to>
+                                    </p:set>
+                                    <p:animEffect filter="fade" transition="in">
+                                      <p:cBhvr>
+                                        <p:cTn dur="1000"/>
+                                        <p:tgtEl>
+                                          <p:spTgt spid="224"/>
+                                        </p:tgtEl>
+                                      </p:cBhvr>
+                                    </p:animEffect>
+                                  </p:childTnLst>
+                                </p:cTn>
+                              </p:par>
+                              <p:par>
+                                <p:cTn fill="hold" nodeType="withEffect" presetClass="entr" presetID="10" presetSubtype="0">
+                                  <p:stCondLst>
+                                    <p:cond delay="0"/>
+                                  </p:stCondLst>
+                                  <p:childTnLst>
+                                    <p:set>
+                                      <p:cBhvr>
+                                        <p:cTn dur="1" fill="hold">
+                                          <p:stCondLst>
+                                            <p:cond delay="0"/>
+                                          </p:stCondLst>
+                                        </p:cTn>
+                                        <p:tgtEl>
+                                          <p:spTgt spid="231"/>
+                                        </p:tgtEl>
+                                        <p:attrNameLst>
+                                          <p:attrName>style.visibility</p:attrName>
+                                        </p:attrNameLst>
+                                      </p:cBhvr>
+                                      <p:to>
+                                        <p:strVal val="visible"/>
+                                      </p:to>
+                                    </p:set>
+                                    <p:animEffect filter="fade" transition="in">
+                                      <p:cBhvr>
+                                        <p:cTn dur="1000"/>
+                                        <p:tgtEl>
+                                          <p:spTgt spid="231"/>
+                                        </p:tgtEl>
+                                      </p:cBhvr>
+                                    </p:animEffect>
+                                  </p:childTnLst>
+                                </p:cTn>
+                              </p:par>
+                              <p:par>
+                                <p:cTn fill="hold" nodeType="withEffect" presetClass="entr" presetID="10" presetSubtype="0">
+                                  <p:stCondLst>
+                                    <p:cond delay="0"/>
+                                  </p:stCondLst>
+                                  <p:childTnLst>
+                                    <p:set>
+                                      <p:cBhvr>
+                                        <p:cTn dur="1" fill="hold">
+                                          <p:stCondLst>
+                                            <p:cond delay="0"/>
+                                          </p:stCondLst>
+                                        </p:cTn>
+                                        <p:tgtEl>
+                                          <p:spTgt spid="232"/>
+                                        </p:tgtEl>
+                                        <p:attrNameLst>
+                                          <p:attrName>style.visibility</p:attrName>
+                                        </p:attrNameLst>
+                                      </p:cBhvr>
+                                      <p:to>
+                                        <p:strVal val="visible"/>
+                                      </p:to>
+                                    </p:set>
+                                    <p:animEffect filter="fade" transition="in">
+                                      <p:cBhvr>
+                                        <p:cTn dur="1000"/>
+                                        <p:tgtEl>
+                                          <p:spTgt spid="232"/>
+                                        </p:tgtEl>
+                                      </p:cBhvr>
+                                    </p:animEffect>
+                                  </p:childTnLst>
+                                </p:cTn>
+                              </p:par>
+                              <p:par>
+                                <p:cTn fill="hold" nodeType="withEffect" presetClass="entr" presetID="10" presetSubtype="0">
+                                  <p:stCondLst>
+                                    <p:cond delay="0"/>
+                                  </p:stCondLst>
+                                  <p:childTnLst>
+                                    <p:set>
+                                      <p:cBhvr>
+                                        <p:cTn dur="1" fill="hold">
+                                          <p:stCondLst>
+                                            <p:cond delay="0"/>
+                                          </p:stCondLst>
+                                        </p:cTn>
+                                        <p:tgtEl>
+                                          <p:spTgt spid="233"/>
+                                        </p:tgtEl>
+                                        <p:attrNameLst>
+                                          <p:attrName>style.visibility</p:attrName>
+                                        </p:attrNameLst>
+                                      </p:cBhvr>
+                                      <p:to>
+                                        <p:strVal val="visible"/>
+                                      </p:to>
+                                    </p:set>
+                                    <p:animEffect filter="fade" transition="in">
+                                      <p:cBhvr>
+                                        <p:cTn dur="1000"/>
+                                        <p:tgtEl>
+                                          <p:spTgt spid="233"/>
+                                        </p:tgtEl>
+                                      </p:cBhvr>
+                                    </p:animEffect>
+                                  </p:childTnLst>
+                                </p:cTn>
+                              </p:par>
+                              <p:par>
+                                <p:cTn fill="hold" nodeType="withEffect" presetClass="entr" presetID="10" presetSubtype="0">
+                                  <p:stCondLst>
+                                    <p:cond delay="0"/>
+                                  </p:stCondLst>
+                                  <p:childTnLst>
+                                    <p:set>
+                                      <p:cBhvr>
+                                        <p:cTn dur="1" fill="hold">
+                                          <p:stCondLst>
+                                            <p:cond delay="0"/>
+                                          </p:stCondLst>
+                                        </p:cTn>
+                                        <p:tgtEl>
+                                          <p:spTgt spid="234"/>
+                                        </p:tgtEl>
+                                        <p:attrNameLst>
+                                          <p:attrName>style.visibility</p:attrName>
+                                        </p:attrNameLst>
+                                      </p:cBhvr>
+                                      <p:to>
+                                        <p:strVal val="visible"/>
+                                      </p:to>
+                                    </p:set>
+                                    <p:animEffect filter="fade" transition="in">
+                                      <p:cBhvr>
+                                        <p:cTn dur="1000"/>
+                                        <p:tgtEl>
+                                          <p:spTgt spid="234"/>
+                                        </p:tgtEl>
+                                      </p:cBhvr>
+                                    </p:animEffect>
+                                  </p:childTnLst>
+                                </p:cTn>
+                              </p:par>
+                              <p:par>
+                                <p:cTn fill="hold" nodeType="withEffect" presetClass="entr" presetID="10" presetSubtype="0">
+                                  <p:stCondLst>
+                                    <p:cond delay="0"/>
+                                  </p:stCondLst>
+                                  <p:childTnLst>
+                                    <p:set>
+                                      <p:cBhvr>
+                                        <p:cTn dur="1" fill="hold">
+                                          <p:stCondLst>
+                                            <p:cond delay="0"/>
+                                          </p:stCondLst>
+                                        </p:cTn>
+                                        <p:tgtEl>
+                                          <p:spTgt spid="235"/>
+                                        </p:tgtEl>
+                                        <p:attrNameLst>
+                                          <p:attrName>style.visibility</p:attrName>
+                                        </p:attrNameLst>
+                                      </p:cBhvr>
+                                      <p:to>
+                                        <p:strVal val="visible"/>
+                                      </p:to>
+                                    </p:set>
+                                    <p:animEffect filter="fade" transition="in">
+                                      <p:cBhvr>
+                                        <p:cTn dur="1000"/>
+                                        <p:tgtEl>
+                                          <p:spTgt spid="235"/>
+                                        </p:tgtEl>
+                                      </p:cBhvr>
+                                    </p:animEffect>
+                                  </p:childTnLst>
+                                </p:cTn>
+                              </p:par>
+                              <p:par>
+                                <p:cTn fill="hold" nodeType="withEffect" presetClass="entr" presetID="10" presetSubtype="0">
+                                  <p:stCondLst>
+                                    <p:cond delay="0"/>
+                                  </p:stCondLst>
+                                  <p:childTnLst>
+                                    <p:set>
+                                      <p:cBhvr>
+                                        <p:cTn dur="1" fill="hold">
+                                          <p:stCondLst>
+                                            <p:cond delay="0"/>
+                                          </p:stCondLst>
+                                        </p:cTn>
+                                        <p:tgtEl>
+                                          <p:spTgt spid="236"/>
+                                        </p:tgtEl>
+                                        <p:attrNameLst>
+                                          <p:attrName>style.visibility</p:attrName>
+                                        </p:attrNameLst>
+                                      </p:cBhvr>
+                                      <p:to>
+                                        <p:strVal val="visible"/>
+                                      </p:to>
+                                    </p:set>
+                                    <p:animEffect filter="fade" transition="in">
+                                      <p:cBhvr>
+                                        <p:cTn dur="1000"/>
+                                        <p:tgtEl>
+                                          <p:spTgt spid="236"/>
+                                        </p:tgtEl>
+                                      </p:cBhvr>
+                                    </p:animEffect>
+                                  </p:childTnLst>
+                                </p:cTn>
+                              </p:par>
+                              <p:par>
+                                <p:cTn fill="hold" nodeType="withEffect" presetClass="entr" presetID="10" presetSubtype="0">
+                                  <p:stCondLst>
+                                    <p:cond delay="0"/>
+                                  </p:stCondLst>
+                                  <p:childTnLst>
+                                    <p:set>
+                                      <p:cBhvr>
+                                        <p:cTn dur="1" fill="hold">
+                                          <p:stCondLst>
+                                            <p:cond delay="0"/>
+                                          </p:stCondLst>
+                                        </p:cTn>
+                                        <p:tgtEl>
+                                          <p:spTgt spid="237"/>
+                                        </p:tgtEl>
+                                        <p:attrNameLst>
+                                          <p:attrName>style.visibility</p:attrName>
+                                        </p:attrNameLst>
+                                      </p:cBhvr>
+                                      <p:to>
+                                        <p:strVal val="visible"/>
+                                      </p:to>
+                                    </p:set>
+                                    <p:animEffect filter="fade" transition="in">
+                                      <p:cBhvr>
+                                        <p:cTn dur="1000"/>
+                                        <p:tgtEl>
+                                          <p:spTgt spid="237"/>
+                                        </p:tgtEl>
+                                      </p:cBhvr>
+                                    </p:animEffect>
+                                  </p:childTnLst>
+                                </p:cTn>
+                              </p:par>
+                              <p:par>
+                                <p:cTn fill="hold" nodeType="withEffect" presetClass="entr" presetID="10" presetSubtype="0">
+                                  <p:stCondLst>
+                                    <p:cond delay="0"/>
+                                  </p:stCondLst>
+                                  <p:childTnLst>
+                                    <p:set>
+                                      <p:cBhvr>
+                                        <p:cTn dur="1" fill="hold">
+                                          <p:stCondLst>
+                                            <p:cond delay="0"/>
+                                          </p:stCondLst>
+                                        </p:cTn>
+                                        <p:tgtEl>
+                                          <p:spTgt spid="238"/>
+                                        </p:tgtEl>
+                                        <p:attrNameLst>
+                                          <p:attrName>style.visibility</p:attrName>
+                                        </p:attrNameLst>
+                                      </p:cBhvr>
+                                      <p:to>
+                                        <p:strVal val="visible"/>
+                                      </p:to>
+                                    </p:set>
+                                    <p:animEffect filter="fade" transition="in">
+                                      <p:cBhvr>
+                                        <p:cTn dur="1000"/>
+                                        <p:tgtEl>
+                                          <p:spTgt spid="238"/>
+                                        </p:tgtEl>
+                                      </p:cBhvr>
+                                    </p:animEffect>
+                                  </p:childTnLst>
+                                </p:cTn>
+                              </p:par>
+                              <p:par>
+                                <p:cTn fill="hold" nodeType="withEffect" presetClass="entr" presetID="10" presetSubtype="0">
+                                  <p:stCondLst>
+                                    <p:cond delay="0"/>
+                                  </p:stCondLst>
+                                  <p:childTnLst>
+                                    <p:set>
+                                      <p:cBhvr>
+                                        <p:cTn dur="1" fill="hold">
+                                          <p:stCondLst>
+                                            <p:cond delay="0"/>
+                                          </p:stCondLst>
+                                        </p:cTn>
+                                        <p:tgtEl>
+                                          <p:spTgt spid="239"/>
+                                        </p:tgtEl>
+                                        <p:attrNameLst>
+                                          <p:attrName>style.visibility</p:attrName>
+                                        </p:attrNameLst>
+                                      </p:cBhvr>
+                                      <p:to>
+                                        <p:strVal val="visible"/>
+                                      </p:to>
+                                    </p:set>
+                                    <p:animEffect filter="fade" transition="in">
+                                      <p:cBhvr>
+                                        <p:cTn dur="1000"/>
+                                        <p:tgtEl>
+                                          <p:spTgt spid="239"/>
+                                        </p:tgtEl>
+                                      </p:cBhvr>
+                                    </p:animEffect>
+                                  </p:childTnLst>
+                                </p:cTn>
+                              </p:par>
+                              <p:par>
+                                <p:cTn fill="hold" nodeType="withEffect" presetClass="entr" presetID="10" presetSubtype="0">
+                                  <p:stCondLst>
+                                    <p:cond delay="0"/>
+                                  </p:stCondLst>
+                                  <p:childTnLst>
+                                    <p:set>
+                                      <p:cBhvr>
+                                        <p:cTn dur="1" fill="hold">
+                                          <p:stCondLst>
+                                            <p:cond delay="0"/>
+                                          </p:stCondLst>
+                                        </p:cTn>
+                                        <p:tgtEl>
+                                          <p:spTgt spid="240"/>
+                                        </p:tgtEl>
+                                        <p:attrNameLst>
+                                          <p:attrName>style.visibility</p:attrName>
+                                        </p:attrNameLst>
+                                      </p:cBhvr>
+                                      <p:to>
+                                        <p:strVal val="visible"/>
+                                      </p:to>
+                                    </p:set>
+                                    <p:animEffect filter="fade" transition="in">
+                                      <p:cBhvr>
+                                        <p:cTn dur="1000"/>
+                                        <p:tgtEl>
+                                          <p:spTgt spid="240"/>
+                                        </p:tgtEl>
+                                      </p:cBhvr>
+                                    </p:animEffect>
+                                  </p:childTnLst>
+                                </p:cTn>
+                              </p:par>
+                              <p:par>
+                                <p:cTn fill="hold" nodeType="withEffect" presetClass="entr" presetID="10" presetSubtype="0">
+                                  <p:stCondLst>
+                                    <p:cond delay="0"/>
+                                  </p:stCondLst>
+                                  <p:childTnLst>
+                                    <p:set>
+                                      <p:cBhvr>
+                                        <p:cTn dur="1" fill="hold">
+                                          <p:stCondLst>
+                                            <p:cond delay="0"/>
+                                          </p:stCondLst>
+                                        </p:cTn>
+                                        <p:tgtEl>
+                                          <p:spTgt spid="241"/>
+                                        </p:tgtEl>
+                                        <p:attrNameLst>
+                                          <p:attrName>style.visibility</p:attrName>
+                                        </p:attrNameLst>
+                                      </p:cBhvr>
+                                      <p:to>
+                                        <p:strVal val="visible"/>
+                                      </p:to>
+                                    </p:set>
+                                    <p:animEffect filter="fade" transition="in">
+                                      <p:cBhvr>
+                                        <p:cTn dur="1000"/>
+                                        <p:tgtEl>
+                                          <p:spTgt spid="241"/>
+                                        </p:tgtEl>
+                                      </p:cBhvr>
+                                    </p:animEffect>
+                                  </p:childTnLst>
+                                </p:cTn>
+                              </p:par>
+                              <p:par>
+                                <p:cTn fill="hold" nodeType="withEffect" presetClass="entr" presetID="10" presetSubtype="0">
+                                  <p:stCondLst>
+                                    <p:cond delay="0"/>
+                                  </p:stCondLst>
+                                  <p:childTnLst>
+                                    <p:set>
+                                      <p:cBhvr>
+                                        <p:cTn dur="1" fill="hold">
+                                          <p:stCondLst>
+                                            <p:cond delay="0"/>
+                                          </p:stCondLst>
+                                        </p:cTn>
+                                        <p:tgtEl>
+                                          <p:spTgt spid="242"/>
+                                        </p:tgtEl>
+                                        <p:attrNameLst>
+                                          <p:attrName>style.visibility</p:attrName>
+                                        </p:attrNameLst>
+                                      </p:cBhvr>
+                                      <p:to>
+                                        <p:strVal val="visible"/>
+                                      </p:to>
+                                    </p:set>
+                                    <p:animEffect filter="fade" transition="in">
+                                      <p:cBhvr>
+                                        <p:cTn dur="1000"/>
+                                        <p:tgtEl>
+                                          <p:spTgt spid="242"/>
+                                        </p:tgtEl>
+                                      </p:cBhvr>
+                                    </p:animEffect>
+                                  </p:childTnLst>
+                                </p:cTn>
+                              </p:par>
+                              <p:par>
+                                <p:cTn fill="hold" nodeType="withEffect" presetClass="entr" presetID="10" presetSubtype="0">
+                                  <p:stCondLst>
+                                    <p:cond delay="0"/>
+                                  </p:stCondLst>
+                                  <p:childTnLst>
+                                    <p:set>
+                                      <p:cBhvr>
+                                        <p:cTn dur="1" fill="hold">
+                                          <p:stCondLst>
+                                            <p:cond delay="0"/>
+                                          </p:stCondLst>
+                                        </p:cTn>
+                                        <p:tgtEl>
+                                          <p:spTgt spid="243"/>
+                                        </p:tgtEl>
+                                        <p:attrNameLst>
+                                          <p:attrName>style.visibility</p:attrName>
+                                        </p:attrNameLst>
+                                      </p:cBhvr>
+                                      <p:to>
+                                        <p:strVal val="visible"/>
+                                      </p:to>
+                                    </p:set>
+                                    <p:animEffect filter="fade" transition="in">
+                                      <p:cBhvr>
+                                        <p:cTn dur="1000"/>
+                                        <p:tgtEl>
+                                          <p:spTgt spid="243"/>
+                                        </p:tgtEl>
+                                      </p:cBhvr>
+                                    </p:animEffect>
+                                  </p:childTnLst>
+                                </p:cTn>
+                              </p:par>
+                              <p:par>
+                                <p:cTn fill="hold" nodeType="withEffect" presetClass="entr" presetID="10" presetSubtype="0">
+                                  <p:stCondLst>
+                                    <p:cond delay="0"/>
+                                  </p:stCondLst>
+                                  <p:childTnLst>
+                                    <p:set>
+                                      <p:cBhvr>
+                                        <p:cTn dur="1" fill="hold">
+                                          <p:stCondLst>
+                                            <p:cond delay="0"/>
+                                          </p:stCondLst>
+                                        </p:cTn>
+                                        <p:tgtEl>
+                                          <p:spTgt spid="244"/>
+                                        </p:tgtEl>
+                                        <p:attrNameLst>
+                                          <p:attrName>style.visibility</p:attrName>
+                                        </p:attrNameLst>
+                                      </p:cBhvr>
+                                      <p:to>
+                                        <p:strVal val="visible"/>
+                                      </p:to>
+                                    </p:set>
+                                    <p:animEffect filter="fade" transition="in">
+                                      <p:cBhvr>
+                                        <p:cTn dur="1000"/>
+                                        <p:tgtEl>
+                                          <p:spTgt spid="244"/>
+                                        </p:tgtEl>
+                                      </p:cBhvr>
+                                    </p:animEffect>
+                                  </p:childTnLst>
+                                </p:cTn>
+                              </p:par>
+                              <p:par>
+                                <p:cTn fill="hold" nodeType="withEffect" presetClass="entr" presetID="10" presetSubtype="0">
+                                  <p:stCondLst>
+                                    <p:cond delay="0"/>
+                                  </p:stCondLst>
+                                  <p:childTnLst>
+                                    <p:set>
+                                      <p:cBhvr>
+                                        <p:cTn dur="1" fill="hold">
+                                          <p:stCondLst>
+                                            <p:cond delay="0"/>
+                                          </p:stCondLst>
+                                        </p:cTn>
+                                        <p:tgtEl>
+                                          <p:spTgt spid="245"/>
+                                        </p:tgtEl>
+                                        <p:attrNameLst>
+                                          <p:attrName>style.visibility</p:attrName>
+                                        </p:attrNameLst>
+                                      </p:cBhvr>
+                                      <p:to>
+                                        <p:strVal val="visible"/>
+                                      </p:to>
+                                    </p:set>
+                                    <p:animEffect filter="fade" transition="in">
+                                      <p:cBhvr>
+                                        <p:cTn dur="1000"/>
+                                        <p:tgtEl>
+                                          <p:spTgt spid="245"/>
+                                        </p:tgtEl>
+                                      </p:cBhvr>
+                                    </p:animEffect>
+                                  </p:childTnLst>
+                                </p:cTn>
+                              </p:par>
+                              <p:par>
+                                <p:cTn fill="hold" nodeType="withEffect" presetClass="entr" presetID="10" presetSubtype="0">
+                                  <p:stCondLst>
+                                    <p:cond delay="0"/>
+                                  </p:stCondLst>
+                                  <p:childTnLst>
+                                    <p:set>
+                                      <p:cBhvr>
+                                        <p:cTn dur="1" fill="hold">
+                                          <p:stCondLst>
+                                            <p:cond delay="0"/>
+                                          </p:stCondLst>
+                                        </p:cTn>
+                                        <p:tgtEl>
+                                          <p:spTgt spid="246"/>
+                                        </p:tgtEl>
+                                        <p:attrNameLst>
+                                          <p:attrName>style.visibility</p:attrName>
+                                        </p:attrNameLst>
+                                      </p:cBhvr>
+                                      <p:to>
+                                        <p:strVal val="visible"/>
+                                      </p:to>
+                                    </p:set>
+                                    <p:animEffect filter="fade" transition="in">
+                                      <p:cBhvr>
+                                        <p:cTn dur="1000"/>
+                                        <p:tgtEl>
+                                          <p:spTgt spid="246"/>
+                                        </p:tgtEl>
+                                      </p:cBhvr>
+                                    </p:animEffect>
+                                  </p:childTnLst>
+                                </p:cTn>
+                              </p:par>
+                              <p:par>
+                                <p:cTn fill="hold" nodeType="withEffect" presetClass="entr" presetID="10" presetSubtype="0">
+                                  <p:stCondLst>
+                                    <p:cond delay="0"/>
+                                  </p:stCondLst>
+                                  <p:childTnLst>
+                                    <p:set>
+                                      <p:cBhvr>
+                                        <p:cTn dur="1" fill="hold">
+                                          <p:stCondLst>
+                                            <p:cond delay="0"/>
+                                          </p:stCondLst>
+                                        </p:cTn>
+                                        <p:tgtEl>
+                                          <p:spTgt spid="247"/>
+                                        </p:tgtEl>
+                                        <p:attrNameLst>
+                                          <p:attrName>style.visibility</p:attrName>
+                                        </p:attrNameLst>
+                                      </p:cBhvr>
+                                      <p:to>
+                                        <p:strVal val="visible"/>
+                                      </p:to>
+                                    </p:set>
+                                    <p:animEffect filter="fade" transition="in">
+                                      <p:cBhvr>
+                                        <p:cTn dur="1000"/>
+                                        <p:tgtEl>
+                                          <p:spTgt spid="247"/>
+                                        </p:tgtEl>
+                                      </p:cBhvr>
+                                    </p:animEffect>
+                                  </p:childTnLst>
+                                </p:cTn>
+                              </p:par>
+                              <p:par>
+                                <p:cTn fill="hold" nodeType="withEffect" presetClass="entr" presetID="10" presetSubtype="0">
+                                  <p:stCondLst>
+                                    <p:cond delay="0"/>
+                                  </p:stCondLst>
+                                  <p:childTnLst>
+                                    <p:set>
+                                      <p:cBhvr>
+                                        <p:cTn dur="1" fill="hold">
+                                          <p:stCondLst>
+                                            <p:cond delay="0"/>
+                                          </p:stCondLst>
+                                        </p:cTn>
+                                        <p:tgtEl>
+                                          <p:spTgt spid="248"/>
+                                        </p:tgtEl>
+                                        <p:attrNameLst>
+                                          <p:attrName>style.visibility</p:attrName>
+                                        </p:attrNameLst>
+                                      </p:cBhvr>
+                                      <p:to>
+                                        <p:strVal val="visible"/>
+                                      </p:to>
+                                    </p:set>
+                                    <p:animEffect filter="fade" transition="in">
+                                      <p:cBhvr>
+                                        <p:cTn dur="1000"/>
+                                        <p:tgtEl>
+                                          <p:spTgt spid="248"/>
+                                        </p:tgtEl>
+                                      </p:cBhvr>
+                                    </p:animEffect>
+                                  </p:childTnLst>
+                                </p:cTn>
+                              </p:par>
+                              <p:par>
+                                <p:cTn fill="hold" nodeType="withEffect" presetClass="entr" presetID="10" presetSubtype="0">
+                                  <p:stCondLst>
+                                    <p:cond delay="0"/>
+                                  </p:stCondLst>
+                                  <p:childTnLst>
+                                    <p:set>
+                                      <p:cBhvr>
+                                        <p:cTn dur="1" fill="hold">
+                                          <p:stCondLst>
+                                            <p:cond delay="0"/>
+                                          </p:stCondLst>
+                                        </p:cTn>
+                                        <p:tgtEl>
+                                          <p:spTgt spid="249"/>
+                                        </p:tgtEl>
+                                        <p:attrNameLst>
+                                          <p:attrName>style.visibility</p:attrName>
+                                        </p:attrNameLst>
+                                      </p:cBhvr>
+                                      <p:to>
+                                        <p:strVal val="visible"/>
+                                      </p:to>
+                                    </p:set>
+                                    <p:animEffect filter="fade" transition="in">
+                                      <p:cBhvr>
+                                        <p:cTn dur="1000"/>
+                                        <p:tgtEl>
+                                          <p:spTgt spid="249"/>
+                                        </p:tgtEl>
+                                      </p:cBhvr>
+                                    </p:animEffect>
+                                  </p:childTnLst>
+                                </p:cTn>
+                              </p:par>
+                              <p:par>
+                                <p:cTn fill="hold" nodeType="withEffect" presetClass="entr" presetID="10" presetSubtype="0">
+                                  <p:stCondLst>
+                                    <p:cond delay="0"/>
+                                  </p:stCondLst>
+                                  <p:childTnLst>
+                                    <p:set>
+                                      <p:cBhvr>
+                                        <p:cTn dur="1" fill="hold">
+                                          <p:stCondLst>
+                                            <p:cond delay="0"/>
+                                          </p:stCondLst>
+                                        </p:cTn>
+                                        <p:tgtEl>
+                                          <p:spTgt spid="250"/>
+                                        </p:tgtEl>
+                                        <p:attrNameLst>
+                                          <p:attrName>style.visibility</p:attrName>
+                                        </p:attrNameLst>
+                                      </p:cBhvr>
+                                      <p:to>
+                                        <p:strVal val="visible"/>
+                                      </p:to>
+                                    </p:set>
+                                    <p:animEffect filter="fade" transition="in">
+                                      <p:cBhvr>
+                                        <p:cTn dur="1000"/>
+                                        <p:tgtEl>
+                                          <p:spTgt spid="250"/>
+                                        </p:tgtEl>
+                                      </p:cBhvr>
+                                    </p:animEffect>
+                                  </p:childTnLst>
+                                </p:cTn>
+                              </p:par>
+                              <p:par>
+                                <p:cTn fill="hold" nodeType="withEffect" presetClass="entr" presetID="10" presetSubtype="0">
+                                  <p:stCondLst>
+                                    <p:cond delay="0"/>
+                                  </p:stCondLst>
+                                  <p:childTnLst>
+                                    <p:set>
+                                      <p:cBhvr>
+                                        <p:cTn dur="1" fill="hold">
+                                          <p:stCondLst>
+                                            <p:cond delay="0"/>
+                                          </p:stCondLst>
+                                        </p:cTn>
+                                        <p:tgtEl>
+                                          <p:spTgt spid="251"/>
+                                        </p:tgtEl>
+                                        <p:attrNameLst>
+                                          <p:attrName>style.visibility</p:attrName>
+                                        </p:attrNameLst>
+                                      </p:cBhvr>
+                                      <p:to>
+                                        <p:strVal val="visible"/>
+                                      </p:to>
+                                    </p:set>
+                                    <p:animEffect filter="fade" transition="in">
+                                      <p:cBhvr>
+                                        <p:cTn dur="1000"/>
+                                        <p:tgtEl>
+                                          <p:spTgt spid="251"/>
+                                        </p:tgtEl>
+                                      </p:cBhvr>
+                                    </p:animEffect>
+                                  </p:childTnLst>
+                                </p:cTn>
+                              </p:par>
+                              <p:par>
+                                <p:cTn fill="hold" nodeType="withEffect" presetClass="entr" presetID="10" presetSubtype="0">
+                                  <p:stCondLst>
+                                    <p:cond delay="0"/>
+                                  </p:stCondLst>
+                                  <p:childTnLst>
+                                    <p:set>
+                                      <p:cBhvr>
+                                        <p:cTn dur="1" fill="hold">
+                                          <p:stCondLst>
+                                            <p:cond delay="0"/>
+                                          </p:stCondLst>
+                                        </p:cTn>
+                                        <p:tgtEl>
+                                          <p:spTgt spid="252"/>
+                                        </p:tgtEl>
+                                        <p:attrNameLst>
+                                          <p:attrName>style.visibility</p:attrName>
+                                        </p:attrNameLst>
+                                      </p:cBhvr>
+                                      <p:to>
+                                        <p:strVal val="visible"/>
+                                      </p:to>
+                                    </p:set>
+                                    <p:animEffect filter="fade" transition="in">
+                                      <p:cBhvr>
+                                        <p:cTn dur="1000"/>
+                                        <p:tgtEl>
+                                          <p:spTgt spid="252"/>
+                                        </p:tgtEl>
+                                      </p:cBhvr>
+                                    </p:animEffect>
+                                  </p:childTnLst>
+                                </p:cTn>
+                              </p:par>
+                              <p:par>
+                                <p:cTn fill="hold" nodeType="withEffect" presetClass="entr" presetID="10" presetSubtype="0">
+                                  <p:stCondLst>
+                                    <p:cond delay="0"/>
+                                  </p:stCondLst>
+                                  <p:childTnLst>
+                                    <p:set>
+                                      <p:cBhvr>
+                                        <p:cTn dur="1" fill="hold">
+                                          <p:stCondLst>
+                                            <p:cond delay="0"/>
+                                          </p:stCondLst>
+                                        </p:cTn>
+                                        <p:tgtEl>
+                                          <p:spTgt spid="253"/>
+                                        </p:tgtEl>
+                                        <p:attrNameLst>
+                                          <p:attrName>style.visibility</p:attrName>
+                                        </p:attrNameLst>
+                                      </p:cBhvr>
+                                      <p:to>
+                                        <p:strVal val="visible"/>
+                                      </p:to>
+                                    </p:set>
+                                    <p:animEffect filter="fade" transition="in">
+                                      <p:cBhvr>
+                                        <p:cTn dur="1000"/>
+                                        <p:tgtEl>
+                                          <p:spTgt spid="253"/>
+                                        </p:tgtEl>
+                                      </p:cBhvr>
+                                    </p:animEffect>
+                                  </p:childTnLst>
+                                </p:cTn>
+                              </p:par>
+                              <p:par>
+                                <p:cTn fill="hold" nodeType="withEffect" presetClass="entr" presetID="10" presetSubtype="0">
+                                  <p:stCondLst>
+                                    <p:cond delay="0"/>
+                                  </p:stCondLst>
+                                  <p:childTnLst>
+                                    <p:set>
+                                      <p:cBhvr>
+                                        <p:cTn dur="1" fill="hold">
+                                          <p:stCondLst>
+                                            <p:cond delay="0"/>
+                                          </p:stCondLst>
+                                        </p:cTn>
+                                        <p:tgtEl>
+                                          <p:spTgt spid="254"/>
+                                        </p:tgtEl>
+                                        <p:attrNameLst>
+                                          <p:attrName>style.visibility</p:attrName>
+                                        </p:attrNameLst>
+                                      </p:cBhvr>
+                                      <p:to>
+                                        <p:strVal val="visible"/>
+                                      </p:to>
+                                    </p:set>
+                                    <p:animEffect filter="fade" transition="in">
+                                      <p:cBhvr>
+                                        <p:cTn dur="1000"/>
+                                        <p:tgtEl>
+                                          <p:spTgt spid="254"/>
+                                        </p:tgtEl>
+                                      </p:cBhvr>
+                                    </p:animEffect>
+                                  </p:childTnLst>
+                                </p:cTn>
+                              </p:par>
+                              <p:par>
+                                <p:cTn fill="hold" nodeType="withEffect" presetClass="entr" presetID="10" presetSubtype="0">
+                                  <p:stCondLst>
+                                    <p:cond delay="0"/>
+                                  </p:stCondLst>
+                                  <p:childTnLst>
+                                    <p:set>
+                                      <p:cBhvr>
+                                        <p:cTn dur="1" fill="hold">
+                                          <p:stCondLst>
+                                            <p:cond delay="0"/>
+                                          </p:stCondLst>
+                                        </p:cTn>
+                                        <p:tgtEl>
+                                          <p:spTgt spid="255"/>
+                                        </p:tgtEl>
+                                        <p:attrNameLst>
+                                          <p:attrName>style.visibility</p:attrName>
+                                        </p:attrNameLst>
+                                      </p:cBhvr>
+                                      <p:to>
+                                        <p:strVal val="visible"/>
+                                      </p:to>
+                                    </p:set>
+                                    <p:animEffect filter="fade" transition="in">
+                                      <p:cBhvr>
+                                        <p:cTn dur="1000"/>
+                                        <p:tgtEl>
+                                          <p:spTgt spid="255"/>
+                                        </p:tgtEl>
+                                      </p:cBhvr>
+                                    </p:animEffect>
+                                  </p:childTnLst>
+                                </p:cTn>
+                              </p:par>
+                              <p:par>
+                                <p:cTn fill="hold" nodeType="withEffect" presetClass="entr" presetID="10" presetSubtype="0">
+                                  <p:stCondLst>
+                                    <p:cond delay="0"/>
+                                  </p:stCondLst>
+                                  <p:childTnLst>
+                                    <p:set>
+                                      <p:cBhvr>
+                                        <p:cTn dur="1" fill="hold">
+                                          <p:stCondLst>
+                                            <p:cond delay="0"/>
+                                          </p:stCondLst>
+                                        </p:cTn>
+                                        <p:tgtEl>
+                                          <p:spTgt spid="256"/>
+                                        </p:tgtEl>
+                                        <p:attrNameLst>
+                                          <p:attrName>style.visibility</p:attrName>
+                                        </p:attrNameLst>
+                                      </p:cBhvr>
+                                      <p:to>
+                                        <p:strVal val="visible"/>
+                                      </p:to>
+                                    </p:set>
+                                    <p:animEffect filter="fade" transition="in">
+                                      <p:cBhvr>
+                                        <p:cTn dur="1000"/>
+                                        <p:tgtEl>
+                                          <p:spTgt spid="256"/>
+                                        </p:tgtEl>
+                                      </p:cBhvr>
+                                    </p:animEffect>
+                                  </p:childTnLst>
+                                </p:cTn>
+                              </p:par>
+                              <p:par>
+                                <p:cTn fill="hold" nodeType="withEffect" presetClass="entr" presetID="10" presetSubtype="0">
+                                  <p:stCondLst>
+                                    <p:cond delay="0"/>
+                                  </p:stCondLst>
+                                  <p:childTnLst>
+                                    <p:set>
+                                      <p:cBhvr>
+                                        <p:cTn dur="1" fill="hold">
+                                          <p:stCondLst>
+                                            <p:cond delay="0"/>
+                                          </p:stCondLst>
+                                        </p:cTn>
+                                        <p:tgtEl>
+                                          <p:spTgt spid="257"/>
+                                        </p:tgtEl>
+                                        <p:attrNameLst>
+                                          <p:attrName>style.visibility</p:attrName>
+                                        </p:attrNameLst>
+                                      </p:cBhvr>
+                                      <p:to>
+                                        <p:strVal val="visible"/>
+                                      </p:to>
+                                    </p:set>
+                                    <p:animEffect filter="fade" transition="in">
+                                      <p:cBhvr>
+                                        <p:cTn dur="1000"/>
+                                        <p:tgtEl>
+                                          <p:spTgt spid="257"/>
+                                        </p:tgtEl>
+                                      </p:cBhvr>
+                                    </p:animEffect>
+                                  </p:childTnLst>
+                                </p:cTn>
+                              </p:par>
+                              <p:par>
+                                <p:cTn fill="hold" nodeType="withEffect" presetClass="entr" presetID="10" presetSubtype="0">
+                                  <p:stCondLst>
+                                    <p:cond delay="0"/>
+                                  </p:stCondLst>
+                                  <p:childTnLst>
+                                    <p:set>
+                                      <p:cBhvr>
+                                        <p:cTn dur="1" fill="hold">
+                                          <p:stCondLst>
+                                            <p:cond delay="0"/>
+                                          </p:stCondLst>
+                                        </p:cTn>
+                                        <p:tgtEl>
+                                          <p:spTgt spid="258"/>
+                                        </p:tgtEl>
+                                        <p:attrNameLst>
+                                          <p:attrName>style.visibility</p:attrName>
+                                        </p:attrNameLst>
+                                      </p:cBhvr>
+                                      <p:to>
+                                        <p:strVal val="visible"/>
+                                      </p:to>
+                                    </p:set>
+                                    <p:animEffect filter="fade" transition="in">
+                                      <p:cBhvr>
+                                        <p:cTn dur="1000"/>
+                                        <p:tgtEl>
+                                          <p:spTgt spid="258"/>
+                                        </p:tgtEl>
+                                      </p:cBhvr>
+                                    </p:animEffect>
+                                  </p:childTnLst>
+                                </p:cTn>
+                              </p:par>
+                              <p:par>
+                                <p:cTn fill="hold" nodeType="withEffect" presetClass="entr" presetID="10" presetSubtype="0">
+                                  <p:stCondLst>
+                                    <p:cond delay="0"/>
+                                  </p:stCondLst>
+                                  <p:childTnLst>
+                                    <p:set>
+                                      <p:cBhvr>
+                                        <p:cTn dur="1" fill="hold">
+                                          <p:stCondLst>
+                                            <p:cond delay="0"/>
+                                          </p:stCondLst>
+                                        </p:cTn>
+                                        <p:tgtEl>
+                                          <p:spTgt spid="259"/>
+                                        </p:tgtEl>
+                                        <p:attrNameLst>
+                                          <p:attrName>style.visibility</p:attrName>
+                                        </p:attrNameLst>
+                                      </p:cBhvr>
+                                      <p:to>
+                                        <p:strVal val="visible"/>
+                                      </p:to>
+                                    </p:set>
+                                    <p:animEffect filter="fade" transition="in">
+                                      <p:cBhvr>
+                                        <p:cTn dur="1000"/>
+                                        <p:tgtEl>
+                                          <p:spTgt spid="259"/>
+                                        </p:tgtEl>
+                                      </p:cBhvr>
+                                    </p:animEffect>
+                                  </p:childTnLst>
+                                </p:cTn>
+                              </p:par>
+                            </p:childTnLst>
+                          </p:cTn>
+                        </p:par>
+                      </p:childTnLst>
+                    </p:cTn>
+                  </p:par>
+                </p:childTnLst>
+              </p:cTn>
+              <p:prevCondLst>
+                <p:cond evt="onPrev">
+                  <p:tgtEl>
+                    <p:sldTgt/>
+                  </p:tgtEl>
+                </p:cond>
+              </p:prevCondLst>
+              <p:nextCondLst>
+                <p:cond evt="onNext">
+                  <p:tgtEl>
+                    <p:sldTgt/>
+                  </p:tgtEl>
+                </p:cond>
+              </p:nextCondLst>
+            </p:seq>
+          </p:childTnLst>
+        </p:cTn>
+      </p:par>
+    </p:tnLst>
+  </p:timing>
 </p:sld>
 </file>
 
@@ -25092,6 +26599,212 @@
   <p:clrMapOvr>
     <a:masterClrMapping/>
   </p:clrMapOvr>
+  <p:timing>
+    <p:tnLst>
+      <p:par>
+        <p:cTn dur="indefinite" nodeType="tmRoot" restart="never">
+          <p:childTnLst>
+            <p:seq concurrent="1" nextAc="seek">
+              <p:cTn dur="indefinite" id="2" nodeType="mainSeq">
+                <p:childTnLst>
+                  <p:par>
+                    <p:cTn fill="hold">
+                      <p:stCondLst>
+                        <p:cond delay="indefinite"/>
+                      </p:stCondLst>
+                      <p:childTnLst>
+                        <p:par>
+                          <p:cTn fill="hold">
+                            <p:stCondLst>
+                              <p:cond delay="0"/>
+                            </p:stCondLst>
+                            <p:childTnLst>
+                              <p:par>
+                                <p:cTn fill="hold" nodeType="clickEffect" presetClass="entr" presetID="10" presetSubtype="0">
+                                  <p:stCondLst>
+                                    <p:cond delay="0"/>
+                                  </p:stCondLst>
+                                  <p:childTnLst>
+                                    <p:set>
+                                      <p:cBhvr>
+                                        <p:cTn dur="1" fill="hold">
+                                          <p:stCondLst>
+                                            <p:cond delay="0"/>
+                                          </p:stCondLst>
+                                        </p:cTn>
+                                        <p:tgtEl>
+                                          <p:spTgt spid="265"/>
+                                        </p:tgtEl>
+                                        <p:attrNameLst>
+                                          <p:attrName>style.visibility</p:attrName>
+                                        </p:attrNameLst>
+                                      </p:cBhvr>
+                                      <p:to>
+                                        <p:strVal val="visible"/>
+                                      </p:to>
+                                    </p:set>
+                                    <p:animEffect filter="fade" transition="in">
+                                      <p:cBhvr>
+                                        <p:cTn dur="1000"/>
+                                        <p:tgtEl>
+                                          <p:spTgt spid="265"/>
+                                        </p:tgtEl>
+                                      </p:cBhvr>
+                                    </p:animEffect>
+                                  </p:childTnLst>
+                                </p:cTn>
+                              </p:par>
+                              <p:par>
+                                <p:cTn fill="hold" nodeType="withEffect" presetClass="entr" presetID="10" presetSubtype="0">
+                                  <p:stCondLst>
+                                    <p:cond delay="0"/>
+                                  </p:stCondLst>
+                                  <p:childTnLst>
+                                    <p:set>
+                                      <p:cBhvr>
+                                        <p:cTn dur="1" fill="hold">
+                                          <p:stCondLst>
+                                            <p:cond delay="0"/>
+                                          </p:stCondLst>
+                                        </p:cTn>
+                                        <p:tgtEl>
+                                          <p:spTgt spid="272"/>
+                                        </p:tgtEl>
+                                        <p:attrNameLst>
+                                          <p:attrName>style.visibility</p:attrName>
+                                        </p:attrNameLst>
+                                      </p:cBhvr>
+                                      <p:to>
+                                        <p:strVal val="visible"/>
+                                      </p:to>
+                                    </p:set>
+                                    <p:animEffect filter="fade" transition="in">
+                                      <p:cBhvr>
+                                        <p:cTn dur="1000"/>
+                                        <p:tgtEl>
+                                          <p:spTgt spid="272"/>
+                                        </p:tgtEl>
+                                      </p:cBhvr>
+                                    </p:animEffect>
+                                  </p:childTnLst>
+                                </p:cTn>
+                              </p:par>
+                            </p:childTnLst>
+                          </p:cTn>
+                        </p:par>
+                      </p:childTnLst>
+                    </p:cTn>
+                  </p:par>
+                  <p:par>
+                    <p:cTn fill="hold">
+                      <p:stCondLst>
+                        <p:cond delay="indefinite"/>
+                      </p:stCondLst>
+                      <p:childTnLst>
+                        <p:par>
+                          <p:cTn fill="hold">
+                            <p:stCondLst>
+                              <p:cond delay="0"/>
+                            </p:stCondLst>
+                            <p:childTnLst>
+                              <p:par>
+                                <p:cTn fill="hold" nodeType="clickEffect" presetClass="entr" presetID="10" presetSubtype="0">
+                                  <p:stCondLst>
+                                    <p:cond delay="0"/>
+                                  </p:stCondLst>
+                                  <p:childTnLst>
+                                    <p:set>
+                                      <p:cBhvr>
+                                        <p:cTn dur="1" fill="hold">
+                                          <p:stCondLst>
+                                            <p:cond delay="0"/>
+                                          </p:stCondLst>
+                                        </p:cTn>
+                                        <p:tgtEl>
+                                          <p:spTgt spid="271"/>
+                                        </p:tgtEl>
+                                        <p:attrNameLst>
+                                          <p:attrName>style.visibility</p:attrName>
+                                        </p:attrNameLst>
+                                      </p:cBhvr>
+                                      <p:to>
+                                        <p:strVal val="visible"/>
+                                      </p:to>
+                                    </p:set>
+                                    <p:animEffect filter="fade" transition="in">
+                                      <p:cBhvr>
+                                        <p:cTn dur="1000"/>
+                                        <p:tgtEl>
+                                          <p:spTgt spid="271"/>
+                                        </p:tgtEl>
+                                      </p:cBhvr>
+                                    </p:animEffect>
+                                  </p:childTnLst>
+                                </p:cTn>
+                              </p:par>
+                              <p:par>
+                                <p:cTn fill="hold" nodeType="withEffect" presetClass="entr" presetID="10" presetSubtype="0">
+                                  <p:stCondLst>
+                                    <p:cond delay="0"/>
+                                  </p:stCondLst>
+                                  <p:childTnLst>
+                                    <p:set>
+                                      <p:cBhvr>
+                                        <p:cTn dur="1" fill="hold">
+                                          <p:stCondLst>
+                                            <p:cond delay="0"/>
+                                          </p:stCondLst>
+                                        </p:cTn>
+                                        <p:tgtEl>
+                                          <p:spTgt spid="273"/>
+                                        </p:tgtEl>
+                                        <p:attrNameLst>
+                                          <p:attrName>style.visibility</p:attrName>
+                                        </p:attrNameLst>
+                                      </p:cBhvr>
+                                      <p:to>
+                                        <p:strVal val="visible"/>
+                                      </p:to>
+                                    </p:set>
+                                    <p:animEffect filter="fade" transition="in">
+                                      <p:cBhvr>
+                                        <p:cTn dur="1000"/>
+                                        <p:tgtEl>
+                                          <p:spTgt spid="273"/>
+                                        </p:tgtEl>
+                                      </p:cBhvr>
+                                    </p:animEffect>
+                                  </p:childTnLst>
+                                </p:cTn>
+                              </p:par>
+                            </p:childTnLst>
+                          </p:cTn>
+                        </p:par>
+                      </p:childTnLst>
+                    </p:cTn>
+                  </p:par>
+                </p:childTnLst>
+              </p:cTn>
+              <p:prevCondLst>
+                <p:cond evt="onPrev">
+                  <p:tgtEl>
+                    <p:sldTgt/>
+                  </p:tgtEl>
+                </p:cond>
+              </p:prevCondLst>
+              <p:nextCondLst>
+                <p:cond evt="onNext">
+                  <p:tgtEl>
+                    <p:sldTgt/>
+                  </p:tgtEl>
+                </p:cond>
+              </p:nextCondLst>
+            </p:seq>
+          </p:childTnLst>
+        </p:cTn>
+      </p:par>
+    </p:tnLst>
+  </p:timing>
 </p:sld>
 </file>
 
@@ -28853,8 +30566,8 @@
         </p:nvSpPr>
         <p:spPr>
           <a:xfrm>
-            <a:off x="2090825" y="896675"/>
-            <a:ext cx="4962300" cy="499800"/>
+            <a:off x="907675" y="896675"/>
+            <a:ext cx="7592700" cy="499800"/>
           </a:xfrm>
           <a:prstGeom prst="rect">
             <a:avLst/>
@@ -28892,7 +30605,7 @@
                 <a:cs typeface="Roboto"/>
                 <a:sym typeface="Roboto"/>
               </a:rPr>
-              <a:t>We will be using the MERN stack technology for our project</a:t>
+              <a:t>We will be using the MERN stack technology for our project and GIT for version control.</a:t>
             </a:r>
             <a:endParaRPr>
               <a:latin typeface="Roboto"/>
@@ -30010,8 +31723,8 @@
         </p:blipFill>
         <p:spPr>
           <a:xfrm>
-            <a:off x="76213" y="1680431"/>
-            <a:ext cx="8991625" cy="2472819"/>
+            <a:off x="152400" y="1227788"/>
+            <a:ext cx="8839201" cy="3202226"/>
           </a:xfrm>
           <a:prstGeom prst="rect">
             <a:avLst/>
@@ -30027,89 +31740,6 @@
   <p:clrMapOvr>
     <a:masterClrMapping/>
   </p:clrMapOvr>
-  <p:timing>
-    <p:tnLst>
-      <p:par>
-        <p:cTn dur="indefinite" nodeType="tmRoot" restart="never">
-          <p:childTnLst>
-            <p:seq concurrent="1" nextAc="seek">
-              <p:cTn dur="indefinite" id="2" nodeType="mainSeq">
-                <p:childTnLst>
-                  <p:par>
-                    <p:cTn fill="hold">
-                      <p:stCondLst>
-                        <p:cond delay="indefinite"/>
-                      </p:stCondLst>
-                      <p:childTnLst>
-                        <p:par>
-                          <p:cTn fill="hold">
-                            <p:stCondLst>
-                              <p:cond delay="0"/>
-                            </p:stCondLst>
-                            <p:childTnLst>
-                              <p:par>
-                                <p:cTn fill="hold" nodeType="clickEffect" presetClass="entr" presetID="10" presetSubtype="0">
-                                  <p:stCondLst>
-                                    <p:cond delay="0"/>
-                                  </p:stCondLst>
-                                  <p:childTnLst>
-                                    <p:set>
-                                      <p:cBhvr>
-                                        <p:cTn dur="1" fill="hold">
-                                          <p:stCondLst>
-                                            <p:cond delay="0"/>
-                                          </p:stCondLst>
-                                        </p:cTn>
-                                        <p:tgtEl>
-                                          <p:spTgt spid="343"/>
-                                        </p:tgtEl>
-                                        <p:attrNameLst>
-                                          <p:attrName>style.visibility</p:attrName>
-                                        </p:attrNameLst>
-                                      </p:cBhvr>
-                                      <p:to>
-                                        <p:strVal val="visible"/>
-                                      </p:to>
-                                    </p:set>
-                                    <p:animEffect filter="fade" transition="in">
-                                      <p:cBhvr>
-                                        <p:cTn dur="1000"/>
-                                        <p:tgtEl>
-                                          <p:spTgt spid="343"/>
-                                        </p:tgtEl>
-                                      </p:cBhvr>
-                                    </p:animEffect>
-                                  </p:childTnLst>
-                                </p:cTn>
-                              </p:par>
-                            </p:childTnLst>
-                          </p:cTn>
-                        </p:par>
-                      </p:childTnLst>
-                    </p:cTn>
-                  </p:par>
-                </p:childTnLst>
-              </p:cTn>
-              <p:prevCondLst>
-                <p:cond evt="onPrev">
-                  <p:tgtEl>
-                    <p:sldTgt/>
-                  </p:tgtEl>
-                </p:cond>
-              </p:prevCondLst>
-              <p:nextCondLst>
-                <p:cond evt="onNext">
-                  <p:tgtEl>
-                    <p:sldTgt/>
-                  </p:tgtEl>
-                </p:cond>
-              </p:nextCondLst>
-            </p:seq>
-          </p:childTnLst>
-        </p:cTn>
-      </p:par>
-    </p:tnLst>
-  </p:timing>
 </p:sld>
 </file>
 
